--- a/trunk/Lectures/8. CSS/CSS-Part-II.pptx
+++ b/trunk/Lectures/8. CSS/CSS-Part-II.pptx
@@ -300,7 +300,7 @@
             <a:fld id="{3BF7C7B5-275F-4D1F-9AB4-9255447DBC73}" type="datetimeFigureOut">
               <a:rPr lang="en-US"/>
               <a:pPr/>
-              <a:t>6/28/2011</a:t>
+              <a:t>21-Nov-11</a:t>
             </a:fld>
             <a:endParaRPr lang="en-US" dirty="0"/>
           </a:p>
@@ -531,7 +531,7 @@
             <a:fld id="{9B46F231-FB2B-4655-A644-E2477325E686}" type="datetimeFigureOut">
               <a:rPr lang="en-US"/>
               <a:pPr/>
-              <a:t>6/28/2011</a:t>
+              <a:t>21-Nov-11</a:t>
             </a:fld>
             <a:endParaRPr lang="en-US" dirty="0"/>
           </a:p>
@@ -7690,7 +7690,7 @@
           <a:graphicData uri="http://schemas.openxmlformats.org/presentationml/2006/ole">
             <mc:AlternateContent xmlns:mc="http://schemas.openxmlformats.org/markup-compatibility/2006">
               <mc:Choice xmlns:v="urn:schemas-microsoft-com:vml" Requires="v">
-                <p:oleObj spid="_x0000_s3145" name="Image" r:id="rId3" imgW="3174603" imgH="2476190" progId="">
+                <p:oleObj spid="_x0000_s3149" name="Image" r:id="rId3" imgW="3174603" imgH="2476190" progId="">
                   <p:embed/>
                 </p:oleObj>
               </mc:Choice>
@@ -29974,7 +29974,7 @@
             </a:pPr>
             <a:r>
               <a:rPr lang="en-US" dirty="0" smtClean="0"/>
-              <a:t>Exercises</a:t>
+              <a:t>Homework</a:t>
             </a:r>
             <a:endParaRPr lang="bg-BG" dirty="0" smtClean="0"/>
           </a:p>
@@ -30000,9 +30000,9 @@
           <a:bodyPr/>
           <a:lstStyle/>
           <a:p>
-            <a:pPr marL="446088" indent="-446088">
+            <a:pPr marL="514350" indent="-514350">
               <a:buFont typeface="+mj-lt"/>
-              <a:buAutoNum type="arabicPeriod"/>
+              <a:buAutoNum type="arabicPeriod" startAt="4"/>
               <a:tabLst/>
             </a:pPr>
             <a:r>
@@ -30456,7 +30456,7 @@
             </a:pPr>
             <a:r>
               <a:rPr lang="en-US" dirty="0" smtClean="0"/>
-              <a:t>Exercises (2)</a:t>
+              <a:t>Homework (2)</a:t>
             </a:r>
             <a:endParaRPr lang="bg-BG" dirty="0" smtClean="0"/>
           </a:p>
@@ -30821,7 +30821,7 @@
           <a:p>
             <a:pPr marL="514350" indent="-514350">
               <a:buFont typeface="+mj-lt"/>
-              <a:buAutoNum type="arabicPeriod" startAt="3"/>
+              <a:buAutoNum type="arabicPeriod" startAt="5"/>
               <a:tabLst/>
             </a:pPr>
             <a:r>
@@ -30898,8 +30898,8 @@
           <a:lstStyle/>
           <a:p>
             <a:r>
-              <a:rPr lang="en-US" smtClean="0"/>
-              <a:t>Exercises (3)</a:t>
+              <a:rPr lang="en-US" dirty="0" smtClean="0"/>
+              <a:t>Homework (3)</a:t>
             </a:r>
             <a:endParaRPr lang="en-US" dirty="0"/>
           </a:p>
@@ -31267,7 +31267,7 @@
           <a:p>
             <a:pPr marL="514350" indent="-514350">
               <a:buFont typeface="+mj-lt"/>
-              <a:buAutoNum type="arabicPeriod" startAt="2"/>
+              <a:buAutoNum type="arabicPeriod" startAt="6"/>
               <a:tabLst/>
             </a:pPr>
             <a:r>
@@ -31331,12 +31331,8 @@
           <a:lstStyle/>
           <a:p>
             <a:r>
-              <a:rPr lang="en-US" dirty="0"/>
-              <a:t>Exercises </a:t>
-            </a:r>
-            <a:r>
               <a:rPr lang="en-US" dirty="0" smtClean="0"/>
-              <a:t>(4)</a:t>
+              <a:t>Homework (4)</a:t>
             </a:r>
             <a:endParaRPr lang="en-US" dirty="0"/>
           </a:p>
@@ -31699,7 +31695,7 @@
           <a:p>
             <a:pPr marL="514350" indent="-514350">
               <a:buFont typeface="+mj-lt"/>
-              <a:buAutoNum type="arabicPeriod" startAt="4"/>
+              <a:buAutoNum type="arabicPeriod" startAt="7"/>
             </a:pPr>
             <a:r>
               <a:rPr lang="en-US" sz="2800" dirty="0" smtClean="0"/>
@@ -31765,8 +31761,12 @@
               <a:defRPr/>
             </a:pPr>
             <a:r>
+              <a:rPr lang="en-US" smtClean="0"/>
+              <a:t>Homework (5</a:t>
+            </a:r>
+            <a:r>
               <a:rPr lang="en-US" dirty="0" smtClean="0"/>
-              <a:t>Exercises (5)</a:t>
+              <a:t>)</a:t>
             </a:r>
             <a:endParaRPr lang="bg-BG" dirty="0" smtClean="0"/>
           </a:p>
@@ -31794,7 +31794,7 @@
           <a:p>
             <a:pPr marL="514350" indent="-514350">
               <a:buFont typeface="+mj-lt"/>
-              <a:buAutoNum type="arabicPeriod" startAt="5"/>
+              <a:buAutoNum type="arabicPeriod" startAt="8"/>
               <a:defRPr/>
             </a:pPr>
             <a:r>
